--- a/ppt/Spring-10-Batch.pptx
+++ b/ppt/Spring-10-Batch.pptx
@@ -5,10 +5,10 @@
     <p:sldMasterId id="2147483653" r:id="rId1"/>
   </p:sldMasterIdLst>
   <p:notesMasterIdLst>
-    <p:notesMasterId r:id="rId7"/>
+    <p:notesMasterId r:id="rId8"/>
   </p:notesMasterIdLst>
   <p:handoutMasterIdLst>
-    <p:handoutMasterId r:id="rId8"/>
+    <p:handoutMasterId r:id="rId9"/>
   </p:handoutMasterIdLst>
   <p:sldIdLst>
     <p:sldId id="264" r:id="rId2"/>
@@ -16,6 +16,7 @@
     <p:sldId id="266" r:id="rId4"/>
     <p:sldId id="267" r:id="rId5"/>
     <p:sldId id="268" r:id="rId6"/>
+    <p:sldId id="269" r:id="rId7"/>
   </p:sldIdLst>
   <p:sldSz cx="9144000" cy="6858000" type="screen4x3"/>
   <p:notesSz cx="6648450" cy="9782175"/>
@@ -4087,50 +4088,64 @@
               <a:rPr lang="fr-FR" sz="2000" dirty="0"/>
               <a:t>, les statistiques persistées seront perdues à la terminaison de chaque instance d'exécution du Batch. Dans tous les cas, il faut configurer l'un ou l'autre obligatoirement.</a:t>
             </a:r>
+          </a:p>
+          <a:p>
+            <a:r>
+              <a:rPr lang="fr-FR" sz="2000" dirty="0"/>
+              <a:t>Le </a:t>
+            </a:r>
+            <a:r>
+              <a:rPr lang="fr-FR" sz="2000" b="1" i="1" dirty="0" err="1"/>
+              <a:t>JobLauncher</a:t>
+            </a:r>
+            <a:r>
+              <a:rPr lang="fr-FR" sz="2000" b="1" i="1" dirty="0"/>
+              <a:t> :</a:t>
+            </a:r>
+            <a:r>
+              <a:rPr lang="fr-FR" sz="2000" dirty="0"/>
+              <a:t> il s'agit du composant chargé de lancer/démarrer le programme de traitement par lot (batch). Il peut être configuré pour s'</a:t>
+            </a:r>
+            <a:r>
+              <a:rPr lang="fr-FR" sz="2000" dirty="0" err="1"/>
+              <a:t>autodéclencher</a:t>
+            </a:r>
+            <a:r>
+              <a:rPr lang="fr-FR" sz="2000" dirty="0"/>
+              <a:t> ou pour être déclenché par un évènement extérieur (lancement manuel). Dans le </a:t>
+            </a:r>
+            <a:r>
+              <a:rPr lang="fr-FR" sz="2000" dirty="0" err="1"/>
+              <a:t>worflow</a:t>
+            </a:r>
+            <a:r>
+              <a:rPr lang="fr-FR" sz="2000" dirty="0"/>
+              <a:t> Spring Batch, le </a:t>
+            </a:r>
+            <a:r>
+              <a:rPr lang="fr-FR" sz="2000" dirty="0" err="1"/>
+              <a:t>JobLauncher</a:t>
+            </a:r>
+            <a:r>
+              <a:rPr lang="fr-FR" sz="2000" dirty="0"/>
+              <a:t> est chargé d'exécuter un </a:t>
+            </a:r>
+            <a:r>
+              <a:rPr lang="fr-FR" sz="2000" i="1" dirty="0"/>
+              <a:t>Job</a:t>
+            </a:r>
+            <a:r>
+              <a:rPr lang="fr-FR" sz="2000" dirty="0"/>
+              <a:t> (tâche).</a:t>
+            </a:r>
+          </a:p>
+          <a:p>
+            <a:pPr marL="0" indent="0">
+              <a:buNone/>
+            </a:pPr>
             <a:br>
               <a:rPr lang="fr-FR" sz="2000" dirty="0"/>
             </a:br>
-            <a:endParaRPr lang="fr-FR" sz="2000" dirty="0"/>
-          </a:p>
-          <a:p>
-            <a:r>
-              <a:rPr lang="fr-FR" sz="2000" dirty="0"/>
-              <a:t>Les </a:t>
-            </a:r>
-            <a:r>
-              <a:rPr lang="fr-FR" sz="2000" b="1" i="1" dirty="0"/>
-              <a:t>Job et </a:t>
-            </a:r>
-            <a:r>
-              <a:rPr lang="fr-FR" sz="2000" b="1" i="1" dirty="0" err="1"/>
-              <a:t>Step</a:t>
-            </a:r>
-            <a:r>
-              <a:rPr lang="fr-FR" sz="2000" b="1" i="1" dirty="0"/>
-              <a:t> </a:t>
-            </a:r>
-            <a:r>
-              <a:rPr lang="fr-FR" sz="2000" b="1" i="1" dirty="0" err="1"/>
-              <a:t>Listeners</a:t>
-            </a:r>
-            <a:r>
-              <a:rPr lang="fr-FR" sz="2000" b="1" i="1" dirty="0"/>
-              <a:t> :</a:t>
-            </a:r>
-            <a:r>
-              <a:rPr lang="fr-FR" sz="2000" dirty="0"/>
-              <a:t> ce sont chacun des composants facultatifs qui offrent un cadre pour l'implémentation des services de monitoring personnalisés. Ils sont très utiles pour journaliser (loguer) les états du Job/</a:t>
-            </a:r>
-            <a:r>
-              <a:rPr lang="fr-FR" sz="2000" dirty="0" err="1"/>
-              <a:t>Step</a:t>
-            </a:r>
-            <a:r>
-              <a:rPr lang="fr-FR" sz="2000" dirty="0"/>
-              <a:t> avant et après leur exécution.</a:t>
-            </a:r>
-          </a:p>
-          <a:p>
             <a:endParaRPr lang="fr-FR" sz="2000" dirty="0"/>
           </a:p>
         </p:txBody>
@@ -4229,56 +4244,6 @@
               <a:t>Le </a:t>
             </a:r>
             <a:r>
-              <a:rPr lang="fr-FR" sz="2000" b="1" i="1" dirty="0" err="1"/>
-              <a:t>JobLauncher</a:t>
-            </a:r>
-            <a:r>
-              <a:rPr lang="fr-FR" sz="2000" b="1" i="1" dirty="0"/>
-              <a:t> :</a:t>
-            </a:r>
-            <a:r>
-              <a:rPr lang="fr-FR" sz="2000" dirty="0"/>
-              <a:t> il s'agit du composant chargé de lancer/démarrer le programme de traitement par lot (batch). Il peut être configuré pour s'</a:t>
-            </a:r>
-            <a:r>
-              <a:rPr lang="fr-FR" sz="2000" dirty="0" err="1"/>
-              <a:t>autodéclencher</a:t>
-            </a:r>
-            <a:r>
-              <a:rPr lang="fr-FR" sz="2000" dirty="0"/>
-              <a:t> ou pour être déclenché par un évènement extérieur (lancement manuel). Dans le </a:t>
-            </a:r>
-            <a:r>
-              <a:rPr lang="fr-FR" sz="2000" dirty="0" err="1"/>
-              <a:t>worflow</a:t>
-            </a:r>
-            <a:r>
-              <a:rPr lang="fr-FR" sz="2000" dirty="0"/>
-              <a:t> Spring Batch, le </a:t>
-            </a:r>
-            <a:r>
-              <a:rPr lang="fr-FR" sz="2000" dirty="0" err="1"/>
-              <a:t>JobLauncher</a:t>
-            </a:r>
-            <a:r>
-              <a:rPr lang="fr-FR" sz="2000" dirty="0"/>
-              <a:t> est chargé d'exécuter un </a:t>
-            </a:r>
-            <a:r>
-              <a:rPr lang="fr-FR" sz="2000" i="1" dirty="0"/>
-              <a:t>Job</a:t>
-            </a:r>
-            <a:r>
-              <a:rPr lang="fr-FR" sz="2000" dirty="0"/>
-              <a:t> (tâche).</a:t>
-            </a:r>
-          </a:p>
-          <a:p>
-            <a:r>
-              <a:rPr lang="fr-FR" sz="2000" dirty="0"/>
-              <a:t>Le </a:t>
-            </a:r>
-            <a:r>
               <a:rPr lang="fr-FR" sz="2000" b="1" i="1" dirty="0"/>
               <a:t>Job :</a:t>
             </a:r>
@@ -4381,98 +4346,7 @@
               <a:rPr lang="fr-FR" sz="1400" dirty="0"/>
               <a:t>, etc.), cloud).</a:t>
             </a:r>
-            <a:br>
-              <a:rPr lang="fr-FR" sz="2000" dirty="0"/>
-            </a:br>
             <a:endParaRPr lang="fr-FR" sz="2000" dirty="0"/>
-          </a:p>
-          <a:p>
-            <a:r>
-              <a:rPr lang="fr-FR" sz="2000" dirty="0"/>
-              <a:t>Le </a:t>
-            </a:r>
-            <a:r>
-              <a:rPr lang="fr-FR" sz="2000" b="1" i="1" dirty="0"/>
-              <a:t>Repository :</a:t>
-            </a:r>
-            <a:r>
-              <a:rPr lang="fr-FR" sz="2000" dirty="0"/>
-              <a:t> c'est le composant chargé d'enregistrer les statistiques issues du monitoring sur le </a:t>
-            </a:r>
-            <a:r>
-              <a:rPr lang="fr-FR" sz="2000" dirty="0" err="1"/>
-              <a:t>JobLauncher</a:t>
-            </a:r>
-            <a:r>
-              <a:rPr lang="fr-FR" sz="2000" dirty="0"/>
-              <a:t>, le Job et la (ou les) </a:t>
-            </a:r>
-            <a:r>
-              <a:rPr lang="fr-FR" sz="2000" dirty="0" err="1"/>
-              <a:t>Step</a:t>
-            </a:r>
-            <a:r>
-              <a:rPr lang="fr-FR" sz="2000" dirty="0"/>
-              <a:t> à chaque exécution. Il offre deux techniques possibles pour stocker ces statistiques : le passage par une base de données ou le passage par une </a:t>
-            </a:r>
-            <a:r>
-              <a:rPr lang="fr-FR" sz="2000" dirty="0" err="1"/>
-              <a:t>Map</a:t>
-            </a:r>
-            <a:r>
-              <a:rPr lang="fr-FR" sz="2000" dirty="0"/>
-              <a:t>. Lorsque le stockage des statistiques est fait dans une base de données, et donc persisté de façon durable, cela permet le suivi continuel du Batch dans le temps à l'effet d'analyser les éventuels problèmes en cas d'échec. A contrario lorsque c'est dans une </a:t>
-            </a:r>
-            <a:r>
-              <a:rPr lang="fr-FR" sz="2000" dirty="0" err="1"/>
-              <a:t>Map</a:t>
-            </a:r>
-            <a:r>
-              <a:rPr lang="fr-FR" sz="2000" dirty="0"/>
-              <a:t>, les statistiques persistées seront perdues à la terminaison de chaque instance d'exécution du Batch. Dans tous les cas, il faut configurer l'un ou l'autre obligatoirement.</a:t>
-            </a:r>
-            <a:br>
-              <a:rPr lang="fr-FR" sz="2000" dirty="0"/>
-            </a:br>
-            <a:endParaRPr lang="fr-FR" sz="2000" dirty="0"/>
-          </a:p>
-          <a:p>
-            <a:r>
-              <a:rPr lang="fr-FR" sz="2000" dirty="0"/>
-              <a:t>Les </a:t>
-            </a:r>
-            <a:r>
-              <a:rPr lang="fr-FR" sz="2000" b="1" i="1" dirty="0"/>
-              <a:t>Job et </a:t>
-            </a:r>
-            <a:r>
-              <a:rPr lang="fr-FR" sz="2000" b="1" i="1" dirty="0" err="1"/>
-              <a:t>Step</a:t>
-            </a:r>
-            <a:r>
-              <a:rPr lang="fr-FR" sz="2000" b="1" i="1" dirty="0"/>
-              <a:t> </a:t>
-            </a:r>
-            <a:r>
-              <a:rPr lang="fr-FR" sz="2000" b="1" i="1" dirty="0" err="1"/>
-              <a:t>Listeners</a:t>
-            </a:r>
-            <a:r>
-              <a:rPr lang="fr-FR" sz="2000" b="1" i="1" dirty="0"/>
-              <a:t> :</a:t>
-            </a:r>
-            <a:r>
-              <a:rPr lang="fr-FR" sz="2000" dirty="0"/>
-              <a:t> ce sont chacun des composants facultatifs qui offrent un cadre pour l'implémentation des services de monitoring personnalisés. Ils sont très utiles pour journaliser (loguer) les états du Job/</a:t>
-            </a:r>
-            <a:r>
-              <a:rPr lang="fr-FR" sz="2000" dirty="0" err="1"/>
-              <a:t>Step</a:t>
-            </a:r>
-            <a:r>
-              <a:rPr lang="fr-FR" sz="2000" dirty="0"/>
-              <a:t> avant et après leur exécution.</a:t>
-            </a:r>
           </a:p>
           <a:p>
             <a:endParaRPr lang="fr-FR" sz="2000" dirty="0"/>
@@ -4483,6 +4357,187 @@
     <p:extLst>
       <p:ext uri="{BB962C8B-B14F-4D97-AF65-F5344CB8AC3E}">
         <p14:creationId xmlns:p14="http://schemas.microsoft.com/office/powerpoint/2010/main" val="2051293954"/>
+      </p:ext>
+    </p:extLst>
+  </p:cSld>
+  <p:clrMapOvr>
+    <a:masterClrMapping/>
+  </p:clrMapOvr>
+</p:sld>
+</file>
+
+<file path=ppt/slides/slide6.xml><?xml version="1.0" encoding="utf-8"?>
+<p:sld xmlns:a="http://schemas.openxmlformats.org/drawingml/2006/main" xmlns:r="http://schemas.openxmlformats.org/officeDocument/2006/relationships" xmlns:p="http://schemas.openxmlformats.org/presentationml/2006/main">
+  <p:cSld>
+    <p:spTree>
+      <p:nvGrpSpPr>
+        <p:cNvPr id="1" name=""/>
+        <p:cNvGrpSpPr/>
+        <p:nvPr/>
+      </p:nvGrpSpPr>
+      <p:grpSpPr>
+        <a:xfrm>
+          <a:off x="0" y="0"/>
+          <a:ext cx="0" cy="0"/>
+          <a:chOff x="0" y="0"/>
+          <a:chExt cx="0" cy="0"/>
+        </a:xfrm>
+      </p:grpSpPr>
+      <p:sp>
+        <p:nvSpPr>
+          <p:cNvPr id="2" name="Titre 1">
+            <a:extLst>
+              <a:ext uri="{FF2B5EF4-FFF2-40B4-BE49-F238E27FC236}">
+                <a16:creationId xmlns:a16="http://schemas.microsoft.com/office/drawing/2014/main" id="{B280402C-9150-4F59-8805-40FE41768B6B}"/>
+              </a:ext>
+            </a:extLst>
+          </p:cNvPr>
+          <p:cNvSpPr>
+            <a:spLocks noGrp="1"/>
+          </p:cNvSpPr>
+          <p:nvPr>
+            <p:ph type="title"/>
+          </p:nvPr>
+        </p:nvSpPr>
+        <p:spPr>
+          <a:xfrm>
+            <a:off x="1173163" y="26729"/>
+            <a:ext cx="7772400" cy="1143000"/>
+          </a:xfrm>
+        </p:spPr>
+        <p:txBody>
+          <a:bodyPr/>
+          <a:lstStyle/>
+          <a:p>
+            <a:r>
+              <a:rPr lang="fr-FR" dirty="0"/>
+              <a:t>Workflow</a:t>
+            </a:r>
+          </a:p>
+        </p:txBody>
+      </p:sp>
+      <p:sp>
+        <p:nvSpPr>
+          <p:cNvPr id="3" name="Espace réservé du contenu 2">
+            <a:extLst>
+              <a:ext uri="{FF2B5EF4-FFF2-40B4-BE49-F238E27FC236}">
+                <a16:creationId xmlns:a16="http://schemas.microsoft.com/office/drawing/2014/main" id="{78E88D03-8A83-4ACE-8D88-CB4B746D3F1C}"/>
+              </a:ext>
+            </a:extLst>
+          </p:cNvPr>
+          <p:cNvSpPr>
+            <a:spLocks noGrp="1"/>
+          </p:cNvSpPr>
+          <p:nvPr>
+            <p:ph idx="1"/>
+          </p:nvPr>
+        </p:nvSpPr>
+        <p:spPr>
+          <a:xfrm>
+            <a:off x="467543" y="1169729"/>
+            <a:ext cx="8478019" cy="4114800"/>
+          </a:xfrm>
+        </p:spPr>
+        <p:txBody>
+          <a:bodyPr/>
+          <a:lstStyle/>
+          <a:p>
+            <a:r>
+              <a:rPr lang="fr-FR" sz="2000" dirty="0"/>
+              <a:t>Le </a:t>
+            </a:r>
+            <a:r>
+              <a:rPr lang="fr-FR" sz="2000" b="1" i="1" dirty="0"/>
+              <a:t>Repository :</a:t>
+            </a:r>
+            <a:r>
+              <a:rPr lang="fr-FR" sz="2000" dirty="0"/>
+              <a:t> c'est le composant chargé d'enregistrer les statistiques issues du monitoring sur le </a:t>
+            </a:r>
+            <a:r>
+              <a:rPr lang="fr-FR" sz="2000" dirty="0" err="1"/>
+              <a:t>JobLauncher</a:t>
+            </a:r>
+            <a:r>
+              <a:rPr lang="fr-FR" sz="2000" dirty="0"/>
+              <a:t>, le Job et la (ou les) </a:t>
+            </a:r>
+            <a:r>
+              <a:rPr lang="fr-FR" sz="2000" dirty="0" err="1"/>
+              <a:t>Step</a:t>
+            </a:r>
+            <a:r>
+              <a:rPr lang="fr-FR" sz="2000" dirty="0"/>
+              <a:t> à chaque exécution. Il offre deux techniques possibles pour stocker ces statistiques : le passage par une base de données ou le passage par une </a:t>
+            </a:r>
+            <a:r>
+              <a:rPr lang="fr-FR" sz="2000" dirty="0" err="1"/>
+              <a:t>Map</a:t>
+            </a:r>
+            <a:r>
+              <a:rPr lang="fr-FR" sz="2000" dirty="0"/>
+              <a:t>. Lorsque le stockage des statistiques est fait dans une base de données, et donc persisté de façon durable, cela permet le suivi continuel du Batch dans le temps à l'effet d'analyser les éventuels problèmes en cas d'échec. A contrario lorsque c'est dans une </a:t>
+            </a:r>
+            <a:r>
+              <a:rPr lang="fr-FR" sz="2000" dirty="0" err="1"/>
+              <a:t>Map</a:t>
+            </a:r>
+            <a:r>
+              <a:rPr lang="fr-FR" sz="2000" dirty="0"/>
+              <a:t>, les statistiques persistées seront perdues à la terminaison de chaque instance d'exécution du Batch. Dans tous les cas, il faut configurer l'un ou l'autre obligatoirement.</a:t>
+            </a:r>
+            <a:br>
+              <a:rPr lang="fr-FR" sz="2000" dirty="0"/>
+            </a:br>
+            <a:endParaRPr lang="fr-FR" sz="2000" dirty="0"/>
+          </a:p>
+          <a:p>
+            <a:r>
+              <a:rPr lang="fr-FR" sz="2000" dirty="0"/>
+              <a:t>Les </a:t>
+            </a:r>
+            <a:r>
+              <a:rPr lang="fr-FR" sz="2000" b="1" i="1" dirty="0"/>
+              <a:t>Job et </a:t>
+            </a:r>
+            <a:r>
+              <a:rPr lang="fr-FR" sz="2000" b="1" i="1" dirty="0" err="1"/>
+              <a:t>Step</a:t>
+            </a:r>
+            <a:r>
+              <a:rPr lang="fr-FR" sz="2000" b="1" i="1" dirty="0"/>
+              <a:t> </a:t>
+            </a:r>
+            <a:r>
+              <a:rPr lang="fr-FR" sz="2000" b="1" i="1" dirty="0" err="1"/>
+              <a:t>Listeners</a:t>
+            </a:r>
+            <a:r>
+              <a:rPr lang="fr-FR" sz="2000" b="1" i="1" dirty="0"/>
+              <a:t> :</a:t>
+            </a:r>
+            <a:r>
+              <a:rPr lang="fr-FR" sz="2000" dirty="0"/>
+              <a:t> ce sont chacun des composants facultatifs qui offrent un cadre pour l'implémentation des services de monitoring personnalisés. Ils sont très utiles pour journaliser (loguer) les états du Job/</a:t>
+            </a:r>
+            <a:r>
+              <a:rPr lang="fr-FR" sz="2000" dirty="0" err="1"/>
+              <a:t>Step</a:t>
+            </a:r>
+            <a:r>
+              <a:rPr lang="fr-FR" sz="2000" dirty="0"/>
+              <a:t> avant et après leur exécution.</a:t>
+            </a:r>
+          </a:p>
+          <a:p>
+            <a:endParaRPr lang="fr-FR" sz="2000" dirty="0"/>
+          </a:p>
+        </p:txBody>
+      </p:sp>
+    </p:spTree>
+    <p:extLst>
+      <p:ext uri="{BB962C8B-B14F-4D97-AF65-F5344CB8AC3E}">
+        <p14:creationId xmlns:p14="http://schemas.microsoft.com/office/powerpoint/2010/main" val="1404058065"/>
       </p:ext>
     </p:extLst>
   </p:cSld>

--- a/ppt/Spring-10-Batch.pptx
+++ b/ppt/Spring-10-Batch.pptx
@@ -5,18 +5,19 @@
     <p:sldMasterId id="2147483653" r:id="rId1"/>
   </p:sldMasterIdLst>
   <p:notesMasterIdLst>
-    <p:notesMasterId r:id="rId8"/>
+    <p:notesMasterId r:id="rId9"/>
   </p:notesMasterIdLst>
   <p:handoutMasterIdLst>
-    <p:handoutMasterId r:id="rId9"/>
+    <p:handoutMasterId r:id="rId10"/>
   </p:handoutMasterIdLst>
   <p:sldIdLst>
     <p:sldId id="264" r:id="rId2"/>
-    <p:sldId id="265" r:id="rId3"/>
-    <p:sldId id="266" r:id="rId4"/>
-    <p:sldId id="267" r:id="rId5"/>
-    <p:sldId id="268" r:id="rId6"/>
-    <p:sldId id="269" r:id="rId7"/>
+    <p:sldId id="270" r:id="rId3"/>
+    <p:sldId id="265" r:id="rId4"/>
+    <p:sldId id="266" r:id="rId5"/>
+    <p:sldId id="267" r:id="rId6"/>
+    <p:sldId id="268" r:id="rId7"/>
+    <p:sldId id="269" r:id="rId8"/>
   </p:sldIdLst>
   <p:sldSz cx="9144000" cy="6858000" type="screen4x3"/>
   <p:notesSz cx="6648450" cy="9782175"/>
@@ -3714,6 +3715,112 @@
           <p:cNvPr id="2" name="Titre 1">
             <a:extLst>
               <a:ext uri="{FF2B5EF4-FFF2-40B4-BE49-F238E27FC236}">
+                <a16:creationId xmlns:a16="http://schemas.microsoft.com/office/drawing/2014/main" id="{C1D207C1-6D98-4BA0-A632-97D587736EBA}"/>
+              </a:ext>
+            </a:extLst>
+          </p:cNvPr>
+          <p:cNvSpPr>
+            <a:spLocks noGrp="1"/>
+          </p:cNvSpPr>
+          <p:nvPr>
+            <p:ph type="title"/>
+          </p:nvPr>
+        </p:nvSpPr>
+        <p:spPr/>
+        <p:txBody>
+          <a:bodyPr/>
+          <a:lstStyle/>
+          <a:p>
+            <a:r>
+              <a:rPr lang="fr-FR" dirty="0"/>
+              <a:t>Spring Batch</a:t>
+            </a:r>
+          </a:p>
+        </p:txBody>
+      </p:sp>
+      <p:sp>
+        <p:nvSpPr>
+          <p:cNvPr id="3" name="Espace réservé du contenu 2">
+            <a:extLst>
+              <a:ext uri="{FF2B5EF4-FFF2-40B4-BE49-F238E27FC236}">
+                <a16:creationId xmlns:a16="http://schemas.microsoft.com/office/drawing/2014/main" id="{78A0D6F5-9BB9-4B3F-938B-9C9FD7825856}"/>
+              </a:ext>
+            </a:extLst>
+          </p:cNvPr>
+          <p:cNvSpPr>
+            <a:spLocks noGrp="1"/>
+          </p:cNvSpPr>
+          <p:nvPr>
+            <p:ph idx="1"/>
+          </p:nvPr>
+        </p:nvSpPr>
+        <p:spPr/>
+        <p:txBody>
+          <a:bodyPr/>
+          <a:lstStyle/>
+          <a:p>
+            <a:r>
+              <a:rPr lang="fr-FR" dirty="0"/>
+              <a:t>ETL Java</a:t>
+            </a:r>
+          </a:p>
+          <a:p>
+            <a:pPr lvl="1"/>
+            <a:r>
+              <a:rPr lang="fr-FR" b="1"/>
+              <a:t>Extract-transform-load</a:t>
+            </a:r>
+            <a:endParaRPr lang="fr-FR" dirty="0"/>
+          </a:p>
+          <a:p>
+            <a:r>
+              <a:rPr lang="fr-FR" dirty="0"/>
+              <a:t>Très performant</a:t>
+            </a:r>
+          </a:p>
+          <a:p>
+            <a:r>
+              <a:rPr lang="fr-FR" dirty="0"/>
+              <a:t>Plus lourd qu'un ETL classique</a:t>
+            </a:r>
+          </a:p>
+        </p:txBody>
+      </p:sp>
+    </p:spTree>
+    <p:extLst>
+      <p:ext uri="{BB962C8B-B14F-4D97-AF65-F5344CB8AC3E}">
+        <p14:creationId xmlns:p14="http://schemas.microsoft.com/office/powerpoint/2010/main" val="3790847472"/>
+      </p:ext>
+    </p:extLst>
+  </p:cSld>
+  <p:clrMapOvr>
+    <a:masterClrMapping/>
+  </p:clrMapOvr>
+</p:sld>
+</file>
+
+<file path=ppt/slides/slide3.xml><?xml version="1.0" encoding="utf-8"?>
+<p:sld xmlns:a="http://schemas.openxmlformats.org/drawingml/2006/main" xmlns:r="http://schemas.openxmlformats.org/officeDocument/2006/relationships" xmlns:p="http://schemas.openxmlformats.org/presentationml/2006/main">
+  <p:cSld>
+    <p:spTree>
+      <p:nvGrpSpPr>
+        <p:cNvPr id="1" name=""/>
+        <p:cNvGrpSpPr/>
+        <p:nvPr/>
+      </p:nvGrpSpPr>
+      <p:grpSpPr>
+        <a:xfrm>
+          <a:off x="0" y="0"/>
+          <a:ext cx="0" cy="0"/>
+          <a:chOff x="0" y="0"/>
+          <a:chExt cx="0" cy="0"/>
+        </a:xfrm>
+      </p:grpSpPr>
+      <p:sp>
+        <p:nvSpPr>
+          <p:cNvPr id="2" name="Titre 1">
+            <a:extLst>
+              <a:ext uri="{FF2B5EF4-FFF2-40B4-BE49-F238E27FC236}">
                 <a16:creationId xmlns:a16="http://schemas.microsoft.com/office/drawing/2014/main" id="{5667C0BC-DE7A-4C3C-87CC-2916B76A4ECC}"/>
               </a:ext>
             </a:extLst>
@@ -3833,7 +3940,7 @@
 </p:sld>
 </file>
 
-<file path=ppt/slides/slide3.xml><?xml version="1.0" encoding="utf-8"?>
+<file path=ppt/slides/slide4.xml><?xml version="1.0" encoding="utf-8"?>
 <p:sld xmlns:a="http://schemas.openxmlformats.org/drawingml/2006/main" xmlns:r="http://schemas.openxmlformats.org/officeDocument/2006/relationships" xmlns:p="http://schemas.openxmlformats.org/presentationml/2006/main">
   <p:cSld>
     <p:spTree>
@@ -3968,201 +4075,6 @@
 </p:sld>
 </file>
 
-<file path=ppt/slides/slide4.xml><?xml version="1.0" encoding="utf-8"?>
-<p:sld xmlns:a="http://schemas.openxmlformats.org/drawingml/2006/main" xmlns:r="http://schemas.openxmlformats.org/officeDocument/2006/relationships" xmlns:p="http://schemas.openxmlformats.org/presentationml/2006/main">
-  <p:cSld>
-    <p:spTree>
-      <p:nvGrpSpPr>
-        <p:cNvPr id="1" name=""/>
-        <p:cNvGrpSpPr/>
-        <p:nvPr/>
-      </p:nvGrpSpPr>
-      <p:grpSpPr>
-        <a:xfrm>
-          <a:off x="0" y="0"/>
-          <a:ext cx="0" cy="0"/>
-          <a:chOff x="0" y="0"/>
-          <a:chExt cx="0" cy="0"/>
-        </a:xfrm>
-      </p:grpSpPr>
-      <p:sp>
-        <p:nvSpPr>
-          <p:cNvPr id="2" name="Titre 1">
-            <a:extLst>
-              <a:ext uri="{FF2B5EF4-FFF2-40B4-BE49-F238E27FC236}">
-                <a16:creationId xmlns:a16="http://schemas.microsoft.com/office/drawing/2014/main" id="{B280402C-9150-4F59-8805-40FE41768B6B}"/>
-              </a:ext>
-            </a:extLst>
-          </p:cNvPr>
-          <p:cNvSpPr>
-            <a:spLocks noGrp="1"/>
-          </p:cNvSpPr>
-          <p:nvPr>
-            <p:ph type="title"/>
-          </p:nvPr>
-        </p:nvSpPr>
-        <p:spPr>
-          <a:xfrm>
-            <a:off x="1173163" y="26729"/>
-            <a:ext cx="7772400" cy="1143000"/>
-          </a:xfrm>
-        </p:spPr>
-        <p:txBody>
-          <a:bodyPr/>
-          <a:lstStyle/>
-          <a:p>
-            <a:r>
-              <a:rPr lang="fr-FR" dirty="0"/>
-              <a:t>Workflow</a:t>
-            </a:r>
-          </a:p>
-        </p:txBody>
-      </p:sp>
-      <p:sp>
-        <p:nvSpPr>
-          <p:cNvPr id="3" name="Espace réservé du contenu 2">
-            <a:extLst>
-              <a:ext uri="{FF2B5EF4-FFF2-40B4-BE49-F238E27FC236}">
-                <a16:creationId xmlns:a16="http://schemas.microsoft.com/office/drawing/2014/main" id="{78E88D03-8A83-4ACE-8D88-CB4B746D3F1C}"/>
-              </a:ext>
-            </a:extLst>
-          </p:cNvPr>
-          <p:cNvSpPr>
-            <a:spLocks noGrp="1"/>
-          </p:cNvSpPr>
-          <p:nvPr>
-            <p:ph idx="1"/>
-          </p:nvPr>
-        </p:nvSpPr>
-        <p:spPr>
-          <a:xfrm>
-            <a:off x="467543" y="1169729"/>
-            <a:ext cx="8478019" cy="4114800"/>
-          </a:xfrm>
-        </p:spPr>
-        <p:txBody>
-          <a:bodyPr/>
-          <a:lstStyle/>
-          <a:p>
-            <a:r>
-              <a:rPr lang="fr-FR" sz="2000" dirty="0"/>
-              <a:t>Le </a:t>
-            </a:r>
-            <a:r>
-              <a:rPr lang="fr-FR" sz="2000" b="1" i="1" dirty="0"/>
-              <a:t>Repository :</a:t>
-            </a:r>
-            <a:r>
-              <a:rPr lang="fr-FR" sz="2000" dirty="0"/>
-              <a:t> c'est le composant chargé d'enregistrer les statistiques issues du monitoring sur le </a:t>
-            </a:r>
-            <a:r>
-              <a:rPr lang="fr-FR" sz="2000" dirty="0" err="1"/>
-              <a:t>JobLauncher</a:t>
-            </a:r>
-            <a:r>
-              <a:rPr lang="fr-FR" sz="2000" dirty="0"/>
-              <a:t>, le Job et la (ou les) </a:t>
-            </a:r>
-            <a:r>
-              <a:rPr lang="fr-FR" sz="2000" dirty="0" err="1"/>
-              <a:t>Step</a:t>
-            </a:r>
-            <a:r>
-              <a:rPr lang="fr-FR" sz="2000" dirty="0"/>
-              <a:t> à chaque exécution. Il offre deux techniques possibles pour stocker ces statistiques : le passage par une base de données ou le passage par une </a:t>
-            </a:r>
-            <a:r>
-              <a:rPr lang="fr-FR" sz="2000" dirty="0" err="1"/>
-              <a:t>Map</a:t>
-            </a:r>
-            <a:r>
-              <a:rPr lang="fr-FR" sz="2000" dirty="0"/>
-              <a:t>. Lorsque le stockage des statistiques est fait dans une base de données, et donc persisté de façon durable, cela permet le suivi continuel du Batch dans le temps à l'effet d'analyser les éventuels problèmes en cas d'échec. A contrario lorsque c'est dans une </a:t>
-            </a:r>
-            <a:r>
-              <a:rPr lang="fr-FR" sz="2000" dirty="0" err="1"/>
-              <a:t>Map</a:t>
-            </a:r>
-            <a:r>
-              <a:rPr lang="fr-FR" sz="2000" dirty="0"/>
-              <a:t>, les statistiques persistées seront perdues à la terminaison de chaque instance d'exécution du Batch. Dans tous les cas, il faut configurer l'un ou l'autre obligatoirement.</a:t>
-            </a:r>
-          </a:p>
-          <a:p>
-            <a:r>
-              <a:rPr lang="fr-FR" sz="2000" dirty="0"/>
-              <a:t>Le </a:t>
-            </a:r>
-            <a:r>
-              <a:rPr lang="fr-FR" sz="2000" b="1" i="1" dirty="0" err="1"/>
-              <a:t>JobLauncher</a:t>
-            </a:r>
-            <a:r>
-              <a:rPr lang="fr-FR" sz="2000" b="1" i="1" dirty="0"/>
-              <a:t> :</a:t>
-            </a:r>
-            <a:r>
-              <a:rPr lang="fr-FR" sz="2000" dirty="0"/>
-              <a:t> il s'agit du composant chargé de lancer/démarrer le programme de traitement par lot (batch). Il peut être configuré pour s'</a:t>
-            </a:r>
-            <a:r>
-              <a:rPr lang="fr-FR" sz="2000" dirty="0" err="1"/>
-              <a:t>autodéclencher</a:t>
-            </a:r>
-            <a:r>
-              <a:rPr lang="fr-FR" sz="2000" dirty="0"/>
-              <a:t> ou pour être déclenché par un évènement extérieur (lancement manuel). Dans le </a:t>
-            </a:r>
-            <a:r>
-              <a:rPr lang="fr-FR" sz="2000" dirty="0" err="1"/>
-              <a:t>worflow</a:t>
-            </a:r>
-            <a:r>
-              <a:rPr lang="fr-FR" sz="2000" dirty="0"/>
-              <a:t> Spring Batch, le </a:t>
-            </a:r>
-            <a:r>
-              <a:rPr lang="fr-FR" sz="2000" dirty="0" err="1"/>
-              <a:t>JobLauncher</a:t>
-            </a:r>
-            <a:r>
-              <a:rPr lang="fr-FR" sz="2000" dirty="0"/>
-              <a:t> est chargé d'exécuter un </a:t>
-            </a:r>
-            <a:r>
-              <a:rPr lang="fr-FR" sz="2000" i="1" dirty="0"/>
-              <a:t>Job</a:t>
-            </a:r>
-            <a:r>
-              <a:rPr lang="fr-FR" sz="2000" dirty="0"/>
-              <a:t> (tâche).</a:t>
-            </a:r>
-          </a:p>
-          <a:p>
-            <a:pPr marL="0" indent="0">
-              <a:buNone/>
-            </a:pPr>
-            <a:br>
-              <a:rPr lang="fr-FR" sz="2000" dirty="0"/>
-            </a:br>
-            <a:endParaRPr lang="fr-FR" sz="2000" dirty="0"/>
-          </a:p>
-        </p:txBody>
-      </p:sp>
-    </p:spTree>
-    <p:extLst>
-      <p:ext uri="{BB962C8B-B14F-4D97-AF65-F5344CB8AC3E}">
-        <p14:creationId xmlns:p14="http://schemas.microsoft.com/office/powerpoint/2010/main" val="582605015"/>
-      </p:ext>
-    </p:extLst>
-  </p:cSld>
-  <p:clrMapOvr>
-    <a:masterClrMapping/>
-  </p:clrMapOvr>
-</p:sld>
-</file>
-
 <file path=ppt/slides/slide5.xml><?xml version="1.0" encoding="utf-8"?>
 <p:sld xmlns:a="http://schemas.openxmlformats.org/drawingml/2006/main" xmlns:r="http://schemas.openxmlformats.org/officeDocument/2006/relationships" xmlns:p="http://schemas.openxmlformats.org/presentationml/2006/main">
   <p:cSld>
@@ -4245,6 +4157,201 @@
             </a:r>
             <a:r>
               <a:rPr lang="fr-FR" sz="2000" b="1" i="1" dirty="0"/>
+              <a:t>Repository :</a:t>
+            </a:r>
+            <a:r>
+              <a:rPr lang="fr-FR" sz="2000" dirty="0"/>
+              <a:t> c'est le composant chargé d'enregistrer les statistiques issues du monitoring sur le </a:t>
+            </a:r>
+            <a:r>
+              <a:rPr lang="fr-FR" sz="2000" dirty="0" err="1"/>
+              <a:t>JobLauncher</a:t>
+            </a:r>
+            <a:r>
+              <a:rPr lang="fr-FR" sz="2000" dirty="0"/>
+              <a:t>, le Job et la (ou les) </a:t>
+            </a:r>
+            <a:r>
+              <a:rPr lang="fr-FR" sz="2000" dirty="0" err="1"/>
+              <a:t>Step</a:t>
+            </a:r>
+            <a:r>
+              <a:rPr lang="fr-FR" sz="2000" dirty="0"/>
+              <a:t> à chaque exécution. Il offre deux techniques possibles pour stocker ces statistiques : le passage par une base de données ou le passage par une </a:t>
+            </a:r>
+            <a:r>
+              <a:rPr lang="fr-FR" sz="2000" dirty="0" err="1"/>
+              <a:t>Map</a:t>
+            </a:r>
+            <a:r>
+              <a:rPr lang="fr-FR" sz="2000" dirty="0"/>
+              <a:t>. Lorsque le stockage des statistiques est fait dans une base de données, et donc persisté de façon durable, cela permet le suivi continuel du Batch dans le temps à l'effet d'analyser les éventuels problèmes en cas d'échec. A contrario lorsque c'est dans une </a:t>
+            </a:r>
+            <a:r>
+              <a:rPr lang="fr-FR" sz="2000" dirty="0" err="1"/>
+              <a:t>Map</a:t>
+            </a:r>
+            <a:r>
+              <a:rPr lang="fr-FR" sz="2000" dirty="0"/>
+              <a:t>, les statistiques persistées seront perdues à la terminaison de chaque instance d'exécution du Batch. Dans tous les cas, il faut configurer l'un ou l'autre obligatoirement.</a:t>
+            </a:r>
+          </a:p>
+          <a:p>
+            <a:r>
+              <a:rPr lang="fr-FR" sz="2000" dirty="0"/>
+              <a:t>Le </a:t>
+            </a:r>
+            <a:r>
+              <a:rPr lang="fr-FR" sz="2000" b="1" i="1" dirty="0" err="1"/>
+              <a:t>JobLauncher</a:t>
+            </a:r>
+            <a:r>
+              <a:rPr lang="fr-FR" sz="2000" b="1" i="1" dirty="0"/>
+              <a:t> :</a:t>
+            </a:r>
+            <a:r>
+              <a:rPr lang="fr-FR" sz="2000" dirty="0"/>
+              <a:t> il s'agit du composant chargé de lancer/démarrer le programme de traitement par lot (batch). Il peut être configuré pour s'</a:t>
+            </a:r>
+            <a:r>
+              <a:rPr lang="fr-FR" sz="2000" dirty="0" err="1"/>
+              <a:t>autodéclencher</a:t>
+            </a:r>
+            <a:r>
+              <a:rPr lang="fr-FR" sz="2000" dirty="0"/>
+              <a:t> ou pour être déclenché par un évènement extérieur (lancement manuel). Dans le </a:t>
+            </a:r>
+            <a:r>
+              <a:rPr lang="fr-FR" sz="2000" dirty="0" err="1"/>
+              <a:t>worflow</a:t>
+            </a:r>
+            <a:r>
+              <a:rPr lang="fr-FR" sz="2000" dirty="0"/>
+              <a:t> Spring Batch, le </a:t>
+            </a:r>
+            <a:r>
+              <a:rPr lang="fr-FR" sz="2000" dirty="0" err="1"/>
+              <a:t>JobLauncher</a:t>
+            </a:r>
+            <a:r>
+              <a:rPr lang="fr-FR" sz="2000" dirty="0"/>
+              <a:t> est chargé d'exécuter un </a:t>
+            </a:r>
+            <a:r>
+              <a:rPr lang="fr-FR" sz="2000" i="1" dirty="0"/>
+              <a:t>Job</a:t>
+            </a:r>
+            <a:r>
+              <a:rPr lang="fr-FR" sz="2000" dirty="0"/>
+              <a:t> (tâche).</a:t>
+            </a:r>
+          </a:p>
+          <a:p>
+            <a:pPr marL="0" indent="0">
+              <a:buNone/>
+            </a:pPr>
+            <a:br>
+              <a:rPr lang="fr-FR" sz="2000" dirty="0"/>
+            </a:br>
+            <a:endParaRPr lang="fr-FR" sz="2000" dirty="0"/>
+          </a:p>
+        </p:txBody>
+      </p:sp>
+    </p:spTree>
+    <p:extLst>
+      <p:ext uri="{BB962C8B-B14F-4D97-AF65-F5344CB8AC3E}">
+        <p14:creationId xmlns:p14="http://schemas.microsoft.com/office/powerpoint/2010/main" val="582605015"/>
+      </p:ext>
+    </p:extLst>
+  </p:cSld>
+  <p:clrMapOvr>
+    <a:masterClrMapping/>
+  </p:clrMapOvr>
+</p:sld>
+</file>
+
+<file path=ppt/slides/slide6.xml><?xml version="1.0" encoding="utf-8"?>
+<p:sld xmlns:a="http://schemas.openxmlformats.org/drawingml/2006/main" xmlns:r="http://schemas.openxmlformats.org/officeDocument/2006/relationships" xmlns:p="http://schemas.openxmlformats.org/presentationml/2006/main">
+  <p:cSld>
+    <p:spTree>
+      <p:nvGrpSpPr>
+        <p:cNvPr id="1" name=""/>
+        <p:cNvGrpSpPr/>
+        <p:nvPr/>
+      </p:nvGrpSpPr>
+      <p:grpSpPr>
+        <a:xfrm>
+          <a:off x="0" y="0"/>
+          <a:ext cx="0" cy="0"/>
+          <a:chOff x="0" y="0"/>
+          <a:chExt cx="0" cy="0"/>
+        </a:xfrm>
+      </p:grpSpPr>
+      <p:sp>
+        <p:nvSpPr>
+          <p:cNvPr id="2" name="Titre 1">
+            <a:extLst>
+              <a:ext uri="{FF2B5EF4-FFF2-40B4-BE49-F238E27FC236}">
+                <a16:creationId xmlns:a16="http://schemas.microsoft.com/office/drawing/2014/main" id="{B280402C-9150-4F59-8805-40FE41768B6B}"/>
+              </a:ext>
+            </a:extLst>
+          </p:cNvPr>
+          <p:cNvSpPr>
+            <a:spLocks noGrp="1"/>
+          </p:cNvSpPr>
+          <p:nvPr>
+            <p:ph type="title"/>
+          </p:nvPr>
+        </p:nvSpPr>
+        <p:spPr>
+          <a:xfrm>
+            <a:off x="1173163" y="26729"/>
+            <a:ext cx="7772400" cy="1143000"/>
+          </a:xfrm>
+        </p:spPr>
+        <p:txBody>
+          <a:bodyPr/>
+          <a:lstStyle/>
+          <a:p>
+            <a:r>
+              <a:rPr lang="fr-FR" dirty="0"/>
+              <a:t>Workflow</a:t>
+            </a:r>
+          </a:p>
+        </p:txBody>
+      </p:sp>
+      <p:sp>
+        <p:nvSpPr>
+          <p:cNvPr id="3" name="Espace réservé du contenu 2">
+            <a:extLst>
+              <a:ext uri="{FF2B5EF4-FFF2-40B4-BE49-F238E27FC236}">
+                <a16:creationId xmlns:a16="http://schemas.microsoft.com/office/drawing/2014/main" id="{78E88D03-8A83-4ACE-8D88-CB4B746D3F1C}"/>
+              </a:ext>
+            </a:extLst>
+          </p:cNvPr>
+          <p:cNvSpPr>
+            <a:spLocks noGrp="1"/>
+          </p:cNvSpPr>
+          <p:nvPr>
+            <p:ph idx="1"/>
+          </p:nvPr>
+        </p:nvSpPr>
+        <p:spPr>
+          <a:xfrm>
+            <a:off x="467543" y="1169729"/>
+            <a:ext cx="8478019" cy="4114800"/>
+          </a:xfrm>
+        </p:spPr>
+        <p:txBody>
+          <a:bodyPr/>
+          <a:lstStyle/>
+          <a:p>
+            <a:r>
+              <a:rPr lang="fr-FR" sz="2000" dirty="0"/>
+              <a:t>Le </a:t>
+            </a:r>
+            <a:r>
+              <a:rPr lang="fr-FR" sz="2000" b="1" i="1" dirty="0"/>
               <a:t>Job :</a:t>
             </a:r>
             <a:r>
@@ -4366,7 +4473,7 @@
 </p:sld>
 </file>
 
-<file path=ppt/slides/slide6.xml><?xml version="1.0" encoding="utf-8"?>
+<file path=ppt/slides/slide7.xml><?xml version="1.0" encoding="utf-8"?>
 <p:sld xmlns:a="http://schemas.openxmlformats.org/drawingml/2006/main" xmlns:r="http://schemas.openxmlformats.org/officeDocument/2006/relationships" xmlns:p="http://schemas.openxmlformats.org/presentationml/2006/main">
   <p:cSld>
     <p:spTree>
